--- a/trunk/doc/メタシェーダ設計.pptx
+++ b/trunk/doc/メタシェーダ設計.pptx
@@ -324,7 +324,7 @@
           <a:p>
             <a:fld id="{4074181E-7905-4838-B633-5DEB3CC24D5B}" type="datetimeFigureOut">
               <a:rPr kumimoji="1" lang="ja-JP" altLang="en-US" smtClean="0"/>
-              <a:t>2011/5/28</a:t>
+              <a:t>2011/5/29</a:t>
             </a:fld>
             <a:endParaRPr kumimoji="1" lang="ja-JP" altLang="en-US"/>
           </a:p>
@@ -526,7 +526,7 @@
           <a:p>
             <a:fld id="{4074181E-7905-4838-B633-5DEB3CC24D5B}" type="datetimeFigureOut">
               <a:rPr kumimoji="1" lang="ja-JP" altLang="en-US" smtClean="0"/>
-              <a:t>2011/5/28</a:t>
+              <a:t>2011/5/29</a:t>
             </a:fld>
             <a:endParaRPr kumimoji="1" lang="ja-JP" altLang="en-US"/>
           </a:p>
@@ -738,7 +738,7 @@
           <a:p>
             <a:fld id="{4074181E-7905-4838-B633-5DEB3CC24D5B}" type="datetimeFigureOut">
               <a:rPr kumimoji="1" lang="ja-JP" altLang="en-US" smtClean="0"/>
-              <a:t>2011/5/28</a:t>
+              <a:t>2011/5/29</a:t>
             </a:fld>
             <a:endParaRPr kumimoji="1" lang="ja-JP" altLang="en-US"/>
           </a:p>
@@ -940,7 +940,7 @@
           <a:p>
             <a:fld id="{4074181E-7905-4838-B633-5DEB3CC24D5B}" type="datetimeFigureOut">
               <a:rPr kumimoji="1" lang="ja-JP" altLang="en-US" smtClean="0"/>
-              <a:t>2011/5/28</a:t>
+              <a:t>2011/5/29</a:t>
             </a:fld>
             <a:endParaRPr kumimoji="1" lang="ja-JP" altLang="en-US"/>
           </a:p>
@@ -1186,7 +1186,7 @@
           <a:p>
             <a:fld id="{4074181E-7905-4838-B633-5DEB3CC24D5B}" type="datetimeFigureOut">
               <a:rPr kumimoji="1" lang="ja-JP" altLang="en-US" smtClean="0"/>
-              <a:t>2011/5/28</a:t>
+              <a:t>2011/5/29</a:t>
             </a:fld>
             <a:endParaRPr kumimoji="1" lang="ja-JP" altLang="en-US"/>
           </a:p>
@@ -1538,7 +1538,7 @@
           <a:p>
             <a:fld id="{4074181E-7905-4838-B633-5DEB3CC24D5B}" type="datetimeFigureOut">
               <a:rPr kumimoji="1" lang="ja-JP" altLang="en-US" smtClean="0"/>
-              <a:t>2011/5/28</a:t>
+              <a:t>2011/5/29</a:t>
             </a:fld>
             <a:endParaRPr kumimoji="1" lang="ja-JP" altLang="en-US"/>
           </a:p>
@@ -2024,7 +2024,7 @@
           <a:p>
             <a:fld id="{4074181E-7905-4838-B633-5DEB3CC24D5B}" type="datetimeFigureOut">
               <a:rPr kumimoji="1" lang="ja-JP" altLang="en-US" smtClean="0"/>
-              <a:t>2011/5/28</a:t>
+              <a:t>2011/5/29</a:t>
             </a:fld>
             <a:endParaRPr kumimoji="1" lang="ja-JP" altLang="en-US"/>
           </a:p>
@@ -2142,7 +2142,7 @@
           <a:p>
             <a:fld id="{4074181E-7905-4838-B633-5DEB3CC24D5B}" type="datetimeFigureOut">
               <a:rPr kumimoji="1" lang="ja-JP" altLang="en-US" smtClean="0"/>
-              <a:t>2011/5/28</a:t>
+              <a:t>2011/5/29</a:t>
             </a:fld>
             <a:endParaRPr kumimoji="1" lang="ja-JP" altLang="en-US"/>
           </a:p>
@@ -2237,7 +2237,7 @@
           <a:p>
             <a:fld id="{4074181E-7905-4838-B633-5DEB3CC24D5B}" type="datetimeFigureOut">
               <a:rPr kumimoji="1" lang="ja-JP" altLang="en-US" smtClean="0"/>
-              <a:t>2011/5/28</a:t>
+              <a:t>2011/5/29</a:t>
             </a:fld>
             <a:endParaRPr kumimoji="1" lang="ja-JP" altLang="en-US"/>
           </a:p>
@@ -2546,7 +2546,7 @@
           <a:p>
             <a:fld id="{4074181E-7905-4838-B633-5DEB3CC24D5B}" type="datetimeFigureOut">
               <a:rPr kumimoji="1" lang="ja-JP" altLang="en-US" smtClean="0"/>
-              <a:t>2011/5/28</a:t>
+              <a:t>2011/5/29</a:t>
             </a:fld>
             <a:endParaRPr kumimoji="1" lang="ja-JP" altLang="en-US"/>
           </a:p>
@@ -2799,7 +2799,7 @@
           <a:p>
             <a:fld id="{4074181E-7905-4838-B633-5DEB3CC24D5B}" type="datetimeFigureOut">
               <a:rPr kumimoji="1" lang="ja-JP" altLang="en-US" smtClean="0"/>
-              <a:t>2011/5/28</a:t>
+              <a:t>2011/5/29</a:t>
             </a:fld>
             <a:endParaRPr kumimoji="1" lang="ja-JP" altLang="en-US"/>
           </a:p>
@@ -3044,7 +3044,7 @@
           <a:p>
             <a:fld id="{4074181E-7905-4838-B633-5DEB3CC24D5B}" type="datetimeFigureOut">
               <a:rPr kumimoji="1" lang="ja-JP" altLang="en-US" smtClean="0"/>
-              <a:t>2011/5/28</a:t>
+              <a:t>2011/5/29</a:t>
             </a:fld>
             <a:endParaRPr kumimoji="1" lang="ja-JP" altLang="en-US"/>
           </a:p>
@@ -6233,16 +6233,20 @@
           <a:p>
             <a:pPr lvl="1"/>
             <a:r>
+              <a:rPr kumimoji="1" lang="ja-JP" altLang="en-US" sz="2000" dirty="0" smtClean="0"/>
+              <a:t>「</a:t>
+            </a:r>
+            <a:r>
               <a:rPr kumimoji="1" lang="en-US" altLang="ja-JP" sz="2000" dirty="0" smtClean="0"/>
-              <a:t>.</a:t>
-            </a:r>
-            <a:r>
-              <a:rPr kumimoji="1" lang="en-US" altLang="ja-JP" sz="2000" dirty="0" err="1" smtClean="0"/>
-              <a:t>NETFramework</a:t>
+              <a:t>Windows Form</a:t>
+            </a:r>
+            <a:r>
+              <a:rPr kumimoji="1" lang="ja-JP" altLang="en-US" sz="2000" smtClean="0"/>
+              <a:t>」より</a:t>
             </a:r>
             <a:r>
               <a:rPr kumimoji="1" lang="ja-JP" altLang="en-US" sz="2000" dirty="0" smtClean="0"/>
-              <a:t>よりも柔軟なレイアウトが可能</a:t>
+              <a:t>も柔軟なレイアウトが可能</a:t>
             </a:r>
             <a:endParaRPr kumimoji="1" lang="en-US" altLang="ja-JP" sz="2000" dirty="0" smtClean="0"/>
           </a:p>
@@ -6266,11 +6270,7 @@
             </a:r>
             <a:r>
               <a:rPr kumimoji="1" lang="ja-JP" altLang="en-US" sz="1400" dirty="0" smtClean="0"/>
-              <a:t>部品の</a:t>
-            </a:r>
-            <a:r>
-              <a:rPr kumimoji="1" lang="ja-JP" altLang="en-US" sz="1400" dirty="0" smtClean="0"/>
-              <a:t>追加</a:t>
+              <a:t>部品の追加</a:t>
             </a:r>
             <a:r>
               <a:rPr lang="ja-JP" altLang="en-US" sz="1400" dirty="0" smtClean="0"/>
@@ -7498,11 +7498,7 @@
             </a:r>
             <a:r>
               <a:rPr lang="ja-JP" altLang="en-US" sz="1600" dirty="0" smtClean="0"/>
-              <a:t>を</a:t>
-            </a:r>
-            <a:r>
-              <a:rPr lang="ja-JP" altLang="en-US" sz="1600" dirty="0" smtClean="0"/>
-              <a:t>参照</a:t>
+              <a:t>を参照</a:t>
             </a:r>
             <a:r>
               <a:rPr kumimoji="1" lang="en-US" altLang="ja-JP" sz="2200" dirty="0" smtClean="0"/>
@@ -7684,11 +7680,7 @@
           <a:p>
             <a:r>
               <a:rPr kumimoji="1" lang="ja-JP" altLang="en-US" sz="2600" dirty="0" smtClean="0"/>
-              <a:t>基本的な</a:t>
-            </a:r>
-            <a:r>
-              <a:rPr kumimoji="1" lang="ja-JP" altLang="en-US" sz="2600" dirty="0" smtClean="0"/>
-              <a:t>アイデア</a:t>
+              <a:t>基本的なアイデア</a:t>
             </a:r>
             <a:r>
               <a:rPr kumimoji="1" lang="en-US" altLang="ja-JP" sz="1800" dirty="0" smtClean="0"/>
@@ -7710,7 +7702,6 @@
               <a:rPr kumimoji="1" lang="en-US" altLang="ja-JP" sz="1800" dirty="0" smtClean="0"/>
               <a:t>)</a:t>
             </a:r>
-            <a:endParaRPr kumimoji="1" lang="en-US" altLang="ja-JP" sz="1800" dirty="0" smtClean="0"/>
           </a:p>
           <a:p>
             <a:pPr marL="914400" lvl="1" indent="-457200">
@@ -8643,11 +8634,7 @@
             </a:pPr>
             <a:r>
               <a:rPr kumimoji="1" lang="ja-JP" altLang="en-US" sz="2200" dirty="0" smtClean="0"/>
-              <a:t>各ノード</a:t>
-            </a:r>
-            <a:r>
-              <a:rPr kumimoji="1" lang="ja-JP" altLang="en-US" sz="2200" dirty="0" smtClean="0"/>
-              <a:t>から逐次的にコード生成</a:t>
+              <a:t>各ノードから逐次的にコード生成</a:t>
             </a:r>
             <a:endParaRPr kumimoji="1" lang="en-US" altLang="ja-JP" sz="2200" dirty="0" smtClean="0"/>
           </a:p>
@@ -8806,15 +8793,7 @@
             <a:pPr algn="ctr"/>
             <a:r>
               <a:rPr kumimoji="1" lang="ja-JP" altLang="en-US" dirty="0" smtClean="0"/>
-              <a:t>低依存　</a:t>
-            </a:r>
-            <a:r>
-              <a:rPr kumimoji="1" lang="ja-JP" altLang="en-US" dirty="0" smtClean="0"/>
-              <a:t>　　　　　　　　</a:t>
-            </a:r>
-            <a:r>
-              <a:rPr kumimoji="1" lang="ja-JP" altLang="en-US" dirty="0" smtClean="0"/>
-              <a:t>高依存</a:t>
+              <a:t>低依存　　　　　　　　　高依存</a:t>
             </a:r>
             <a:endParaRPr kumimoji="1" lang="ja-JP" altLang="en-US" dirty="0"/>
           </a:p>
@@ -9803,11 +9782,7 @@
             <a:pPr lvl="1" algn="just"/>
             <a:r>
               <a:rPr kumimoji="1" lang="ja-JP" altLang="en-US" sz="2200" dirty="0" smtClean="0"/>
-              <a:t>頂点</a:t>
-            </a:r>
-            <a:r>
-              <a:rPr kumimoji="1" lang="ja-JP" altLang="en-US" sz="2200" dirty="0" smtClean="0"/>
-              <a:t>シェーダ側も動的に生成</a:t>
+              <a:t>頂点シェーダ側も動的に生成</a:t>
             </a:r>
             <a:endParaRPr kumimoji="1" lang="en-US" altLang="ja-JP" sz="2200" dirty="0" smtClean="0"/>
           </a:p>

--- a/trunk/doc/メタシェーダ設計.pptx
+++ b/trunk/doc/メタシェーダ設計.pptx
@@ -324,7 +324,7 @@
           <a:p>
             <a:fld id="{4074181E-7905-4838-B633-5DEB3CC24D5B}" type="datetimeFigureOut">
               <a:rPr kumimoji="1" lang="ja-JP" altLang="en-US" smtClean="0"/>
-              <a:t>2011/5/29</a:t>
+              <a:t>2011/7/12</a:t>
             </a:fld>
             <a:endParaRPr kumimoji="1" lang="ja-JP" altLang="en-US"/>
           </a:p>
@@ -526,7 +526,7 @@
           <a:p>
             <a:fld id="{4074181E-7905-4838-B633-5DEB3CC24D5B}" type="datetimeFigureOut">
               <a:rPr kumimoji="1" lang="ja-JP" altLang="en-US" smtClean="0"/>
-              <a:t>2011/5/29</a:t>
+              <a:t>2011/7/12</a:t>
             </a:fld>
             <a:endParaRPr kumimoji="1" lang="ja-JP" altLang="en-US"/>
           </a:p>
@@ -738,7 +738,7 @@
           <a:p>
             <a:fld id="{4074181E-7905-4838-B633-5DEB3CC24D5B}" type="datetimeFigureOut">
               <a:rPr kumimoji="1" lang="ja-JP" altLang="en-US" smtClean="0"/>
-              <a:t>2011/5/29</a:t>
+              <a:t>2011/7/12</a:t>
             </a:fld>
             <a:endParaRPr kumimoji="1" lang="ja-JP" altLang="en-US"/>
           </a:p>
@@ -940,7 +940,7 @@
           <a:p>
             <a:fld id="{4074181E-7905-4838-B633-5DEB3CC24D5B}" type="datetimeFigureOut">
               <a:rPr kumimoji="1" lang="ja-JP" altLang="en-US" smtClean="0"/>
-              <a:t>2011/5/29</a:t>
+              <a:t>2011/7/12</a:t>
             </a:fld>
             <a:endParaRPr kumimoji="1" lang="ja-JP" altLang="en-US"/>
           </a:p>
@@ -1186,7 +1186,7 @@
           <a:p>
             <a:fld id="{4074181E-7905-4838-B633-5DEB3CC24D5B}" type="datetimeFigureOut">
               <a:rPr kumimoji="1" lang="ja-JP" altLang="en-US" smtClean="0"/>
-              <a:t>2011/5/29</a:t>
+              <a:t>2011/7/12</a:t>
             </a:fld>
             <a:endParaRPr kumimoji="1" lang="ja-JP" altLang="en-US"/>
           </a:p>
@@ -1538,7 +1538,7 @@
           <a:p>
             <a:fld id="{4074181E-7905-4838-B633-5DEB3CC24D5B}" type="datetimeFigureOut">
               <a:rPr kumimoji="1" lang="ja-JP" altLang="en-US" smtClean="0"/>
-              <a:t>2011/5/29</a:t>
+              <a:t>2011/7/12</a:t>
             </a:fld>
             <a:endParaRPr kumimoji="1" lang="ja-JP" altLang="en-US"/>
           </a:p>
@@ -2024,7 +2024,7 @@
           <a:p>
             <a:fld id="{4074181E-7905-4838-B633-5DEB3CC24D5B}" type="datetimeFigureOut">
               <a:rPr kumimoji="1" lang="ja-JP" altLang="en-US" smtClean="0"/>
-              <a:t>2011/5/29</a:t>
+              <a:t>2011/7/12</a:t>
             </a:fld>
             <a:endParaRPr kumimoji="1" lang="ja-JP" altLang="en-US"/>
           </a:p>
@@ -2142,7 +2142,7 @@
           <a:p>
             <a:fld id="{4074181E-7905-4838-B633-5DEB3CC24D5B}" type="datetimeFigureOut">
               <a:rPr kumimoji="1" lang="ja-JP" altLang="en-US" smtClean="0"/>
-              <a:t>2011/5/29</a:t>
+              <a:t>2011/7/12</a:t>
             </a:fld>
             <a:endParaRPr kumimoji="1" lang="ja-JP" altLang="en-US"/>
           </a:p>
@@ -2237,7 +2237,7 @@
           <a:p>
             <a:fld id="{4074181E-7905-4838-B633-5DEB3CC24D5B}" type="datetimeFigureOut">
               <a:rPr kumimoji="1" lang="ja-JP" altLang="en-US" smtClean="0"/>
-              <a:t>2011/5/29</a:t>
+              <a:t>2011/7/12</a:t>
             </a:fld>
             <a:endParaRPr kumimoji="1" lang="ja-JP" altLang="en-US"/>
           </a:p>
@@ -2546,7 +2546,7 @@
           <a:p>
             <a:fld id="{4074181E-7905-4838-B633-5DEB3CC24D5B}" type="datetimeFigureOut">
               <a:rPr kumimoji="1" lang="ja-JP" altLang="en-US" smtClean="0"/>
-              <a:t>2011/5/29</a:t>
+              <a:t>2011/7/12</a:t>
             </a:fld>
             <a:endParaRPr kumimoji="1" lang="ja-JP" altLang="en-US"/>
           </a:p>
@@ -2799,7 +2799,7 @@
           <a:p>
             <a:fld id="{4074181E-7905-4838-B633-5DEB3CC24D5B}" type="datetimeFigureOut">
               <a:rPr kumimoji="1" lang="ja-JP" altLang="en-US" smtClean="0"/>
-              <a:t>2011/5/29</a:t>
+              <a:t>2011/7/12</a:t>
             </a:fld>
             <a:endParaRPr kumimoji="1" lang="ja-JP" altLang="en-US"/>
           </a:p>
@@ -3044,7 +3044,7 @@
           <a:p>
             <a:fld id="{4074181E-7905-4838-B633-5DEB3CC24D5B}" type="datetimeFigureOut">
               <a:rPr kumimoji="1" lang="ja-JP" altLang="en-US" smtClean="0"/>
-              <a:t>2011/5/29</a:t>
+              <a:t>2011/7/12</a:t>
             </a:fld>
             <a:endParaRPr kumimoji="1" lang="ja-JP" altLang="en-US"/>
           </a:p>
@@ -9729,8 +9729,8 @@
         </p:nvSpPr>
         <p:spPr>
           <a:xfrm>
-            <a:off x="457200" y="1318592"/>
-            <a:ext cx="8229600" cy="5155096"/>
+            <a:off x="457200" y="1140643"/>
+            <a:ext cx="8229600" cy="5333045"/>
           </a:xfrm>
         </p:spPr>
         <p:txBody>
@@ -9758,9 +9758,69 @@
             <a:pPr lvl="2" algn="just"/>
             <a:r>
               <a:rPr kumimoji="1" lang="ja-JP" altLang="en-US" sz="1800" dirty="0" smtClean="0"/>
-              <a:t>ノード定義のデータドリブン（ユーザー定義のノードの利用）</a:t>
+              <a:t>ノード定義のデータドリブン（ユーザー定義のノードの利用</a:t>
+            </a:r>
+            <a:r>
+              <a:rPr kumimoji="1" lang="ja-JP" altLang="en-US" sz="1800" dirty="0" smtClean="0"/>
+              <a:t>）</a:t>
             </a:r>
             <a:endParaRPr kumimoji="1" lang="en-US" altLang="ja-JP" sz="1800" dirty="0" smtClean="0"/>
+          </a:p>
+          <a:p>
+            <a:pPr lvl="3" algn="just"/>
+            <a:r>
+              <a:rPr kumimoji="1" lang="ja-JP" altLang="en-US" sz="1400" b="1" dirty="0" smtClean="0">
+                <a:solidFill>
+                  <a:srgbClr val="FF0000"/>
+                </a:solidFill>
+              </a:rPr>
+              <a:t>一部対応済み「</a:t>
+            </a:r>
+            <a:r>
+              <a:rPr kumimoji="1" lang="en-US" altLang="ja-JP" sz="1400" b="1" dirty="0" smtClean="0">
+                <a:solidFill>
+                  <a:srgbClr val="FF0000"/>
+                </a:solidFill>
+              </a:rPr>
+              <a:t>Fresnel</a:t>
+            </a:r>
+            <a:r>
+              <a:rPr kumimoji="1" lang="ja-JP" altLang="en-US" sz="1400" b="1" dirty="0" smtClean="0">
+                <a:solidFill>
+                  <a:srgbClr val="FF0000"/>
+                </a:solidFill>
+              </a:rPr>
+              <a:t>」はユーザ定義のノード</a:t>
+            </a:r>
+            <a:r>
+              <a:rPr kumimoji="1" lang="en-US" altLang="ja-JP" sz="1400" b="1" dirty="0" smtClean="0">
+                <a:solidFill>
+                  <a:srgbClr val="FF0000"/>
+                </a:solidFill>
+              </a:rPr>
+              <a:t>(EXE</a:t>
+            </a:r>
+            <a:r>
+              <a:rPr kumimoji="1" lang="ja-JP" altLang="en-US" sz="1400" b="1" dirty="0" smtClean="0">
+                <a:solidFill>
+                  <a:srgbClr val="FF0000"/>
+                </a:solidFill>
+              </a:rPr>
+              <a:t>の再コンパイルの必要がない</a:t>
+            </a:r>
+            <a:r>
+              <a:rPr kumimoji="1" lang="en-US" altLang="ja-JP" sz="1400" b="1" dirty="0" smtClean="0">
+                <a:solidFill>
+                  <a:srgbClr val="FF0000"/>
+                </a:solidFill>
+              </a:rPr>
+              <a:t>)</a:t>
+            </a:r>
+            <a:endParaRPr kumimoji="1" lang="en-US" altLang="ja-JP" sz="1400" b="1" dirty="0" smtClean="0">
+              <a:solidFill>
+                <a:srgbClr val="FF0000"/>
+              </a:solidFill>
+            </a:endParaRPr>
           </a:p>
           <a:p>
             <a:pPr lvl="2" algn="just"/>
